--- a/PPT/Blue Prism - Testing.pptx
+++ b/PPT/Blue Prism - Testing.pptx
@@ -10217,21 +10217,8 @@
                   <a:schemeClr val="tx1"/>
                 </a:solidFill>
               </a:rPr>
-              <a:t>Blue Prism process to be created for input</a:t>
+              <a:t>Blue Prism process to be created for input/Manual</a:t>
             </a:r>
-            <a:r>
-              <a:rPr lang="en-IN" sz="1200" b="1">
-                <a:solidFill>
-                  <a:schemeClr val="tx1"/>
-                </a:solidFill>
-              </a:rPr>
-              <a:t>/Manual</a:t>
-            </a:r>
-            <a:endParaRPr lang="en-IN" sz="1200" b="1" dirty="0">
-              <a:solidFill>
-                <a:schemeClr val="tx1"/>
-              </a:solidFill>
-            </a:endParaRPr>
           </a:p>
         </p:txBody>
       </p:sp>
@@ -11049,13 +11036,18 @@
         </p:nvSpPr>
         <p:spPr>
           <a:xfrm>
-            <a:off x="9879198" y="4590253"/>
+            <a:off x="9946310" y="4680011"/>
             <a:ext cx="1221599" cy="400110"/>
           </a:xfrm>
           <a:prstGeom prst="rect">
             <a:avLst/>
           </a:prstGeom>
           <a:noFill/>
+          <a:ln>
+            <a:solidFill>
+              <a:schemeClr val="accent1"/>
+            </a:solidFill>
+          </a:ln>
         </p:spPr>
         <p:txBody>
           <a:bodyPr wrap="square" rtlCol="0">
@@ -11100,8 +11092,13 @@
           <a:p>
             <a:r>
               <a:rPr lang="en-IN" sz="1000" dirty="0"/>
-              <a:t>Import Test Coverage release (if applicable)</a:t>
+              <a:t>Import Test Coverage release (</a:t>
             </a:r>
+            <a:r>
+              <a:rPr lang="en-IN" sz="1000"/>
+              <a:t>if configured)</a:t>
+            </a:r>
+            <a:endParaRPr lang="en-IN" sz="1000" dirty="0"/>
           </a:p>
         </p:txBody>
       </p:sp>
@@ -13639,21 +13636,6 @@
 </file>
 
 <file path=customXml/item1.xml><?xml version="1.0" encoding="utf-8"?>
-<p:properties xmlns:p="http://schemas.microsoft.com/office/2006/metadata/properties" xmlns:xsi="http://www.w3.org/2001/XMLSchema-instance">
-  <documentManagement/>
-</p:properties>
-</file>
-
-<file path=customXml/item2.xml><?xml version="1.0" encoding="utf-8"?>
-<?mso-contentType ?>
-<FormTemplates xmlns="http://schemas.microsoft.com/sharepoint/v3/contenttype/forms">
-  <Display>DocumentLibraryForm</Display>
-  <Edit>DocumentLibraryForm</Edit>
-  <New>DocumentLibraryForm</New>
-</FormTemplates>
-</file>
-
-<file path=customXml/item3.xml><?xml version="1.0" encoding="utf-8"?>
 <ct:contentTypeSchema xmlns:ct="http://schemas.microsoft.com/office/2006/metadata/contentType" xmlns:ma="http://schemas.microsoft.com/office/2006/metadata/properties/metaAttributes" ct:_="" ma:_="" ma:contentTypeName="Document" ma:contentTypeID="0x010100CC298A473DB7234781520FC27DD8BB2B" ma:contentTypeVersion="12" ma:contentTypeDescription="Create a new document." ma:contentTypeScope="" ma:versionID="6a1ab37b6ab7e5fbdcac4795c82f845f">
   <xsd:schema xmlns:xsd="http://www.w3.org/2001/XMLSchema" xmlns:xs="http://www.w3.org/2001/XMLSchema" xmlns:p="http://schemas.microsoft.com/office/2006/metadata/properties" xmlns:ns3="bbb7e4d1-b917-4205-b45c-1b97615d3569" xmlns:ns4="6794cd77-4b4d-4d3c-9e4a-13d95a627b5e" targetNamespace="http://schemas.microsoft.com/office/2006/metadata/properties" ma:root="true" ma:fieldsID="7bcf3e512ccbb6b826bb87ac35541be2" ns3:_="" ns4:_="">
     <xsd:import namespace="bbb7e4d1-b917-4205-b45c-1b97615d3569"/>
@@ -13870,32 +13852,22 @@
 </ct:contentTypeSchema>
 </file>
 
-<file path=customXml/itemProps1.xml><?xml version="1.0" encoding="utf-8"?>
-<ds:datastoreItem xmlns:ds="http://schemas.openxmlformats.org/officeDocument/2006/customXml" ds:itemID="{8B91A0A8-1C2F-4A23-9119-5AA30B9F2771}">
-  <ds:schemaRefs>
-    <ds:schemaRef ds:uri="6794cd77-4b4d-4d3c-9e4a-13d95a627b5e"/>
-    <ds:schemaRef ds:uri="http://www.w3.org/XML/1998/namespace"/>
-    <ds:schemaRef ds:uri="http://purl.org/dc/terms/"/>
-    <ds:schemaRef ds:uri="http://schemas.microsoft.com/office/2006/documentManagement/types"/>
-    <ds:schemaRef ds:uri="http://purl.org/dc/elements/1.1/"/>
-    <ds:schemaRef ds:uri="http://purl.org/dc/dcmitype/"/>
-    <ds:schemaRef ds:uri="http://schemas.microsoft.com/office/infopath/2007/PartnerControls"/>
-    <ds:schemaRef ds:uri="http://schemas.openxmlformats.org/package/2006/metadata/core-properties"/>
-    <ds:schemaRef ds:uri="bbb7e4d1-b917-4205-b45c-1b97615d3569"/>
-    <ds:schemaRef ds:uri="http://schemas.microsoft.com/office/2006/metadata/properties"/>
-  </ds:schemaRefs>
-</ds:datastoreItem>
+<file path=customXml/item2.xml><?xml version="1.0" encoding="utf-8"?>
+<?mso-contentType ?>
+<FormTemplates xmlns="http://schemas.microsoft.com/sharepoint/v3/contenttype/forms">
+  <Display>DocumentLibraryForm</Display>
+  <Edit>DocumentLibraryForm</Edit>
+  <New>DocumentLibraryForm</New>
+</FormTemplates>
 </file>
 
-<file path=customXml/itemProps2.xml><?xml version="1.0" encoding="utf-8"?>
-<ds:datastoreItem xmlns:ds="http://schemas.openxmlformats.org/officeDocument/2006/customXml" ds:itemID="{46DAB7DB-F330-44FA-A31F-7DCB2E587471}">
-  <ds:schemaRefs>
-    <ds:schemaRef ds:uri="http://schemas.microsoft.com/sharepoint/v3/contenttype/forms"/>
-  </ds:schemaRefs>
-</ds:datastoreItem>
+<file path=customXml/item3.xml><?xml version="1.0" encoding="utf-8"?>
+<p:properties xmlns:p="http://schemas.microsoft.com/office/2006/metadata/properties" xmlns:xsi="http://www.w3.org/2001/XMLSchema-instance">
+  <documentManagement/>
+</p:properties>
 </file>
 
-<file path=customXml/itemProps3.xml><?xml version="1.0" encoding="utf-8"?>
+<file path=customXml/itemProps1.xml><?xml version="1.0" encoding="utf-8"?>
 <ds:datastoreItem xmlns:ds="http://schemas.openxmlformats.org/officeDocument/2006/customXml" ds:itemID="{4F49C8D1-10C1-4E09-A330-5A0CC01FFDA2}">
   <ds:schemaRefs>
     <ds:schemaRef ds:uri="http://schemas.microsoft.com/office/2006/metadata/contentType"/>
@@ -13912,4 +13884,29 @@
     <ds:schemaRef ds:uri="http://schemas.microsoft.com/internal/obd"/>
   </ds:schemaRefs>
 </ds:datastoreItem>
+</file>
+
+<file path=customXml/itemProps2.xml><?xml version="1.0" encoding="utf-8"?>
+<ds:datastoreItem xmlns:ds="http://schemas.openxmlformats.org/officeDocument/2006/customXml" ds:itemID="{46DAB7DB-F330-44FA-A31F-7DCB2E587471}">
+  <ds:schemaRefs>
+    <ds:schemaRef ds:uri="http://schemas.microsoft.com/sharepoint/v3/contenttype/forms"/>
+  </ds:schemaRefs>
+</ds:datastoreItem>
+</file>
+
+<file path=customXml/itemProps3.xml><?xml version="1.0" encoding="utf-8"?>
+<ds:datastoreItem xmlns:ds="http://schemas.openxmlformats.org/officeDocument/2006/customXml" ds:itemID="{8B91A0A8-1C2F-4A23-9119-5AA30B9F2771}">
+  <ds:schemaRefs>
+    <ds:schemaRef ds:uri="6794cd77-4b4d-4d3c-9e4a-13d95a627b5e"/>
+    <ds:schemaRef ds:uri="http://www.w3.org/XML/1998/namespace"/>
+    <ds:schemaRef ds:uri="http://purl.org/dc/terms/"/>
+    <ds:schemaRef ds:uri="http://schemas.microsoft.com/office/2006/documentManagement/types"/>
+    <ds:schemaRef ds:uri="http://purl.org/dc/elements/1.1/"/>
+    <ds:schemaRef ds:uri="http://purl.org/dc/dcmitype/"/>
+    <ds:schemaRef ds:uri="http://schemas.microsoft.com/office/infopath/2007/PartnerControls"/>
+    <ds:schemaRef ds:uri="http://schemas.openxmlformats.org/package/2006/metadata/core-properties"/>
+    <ds:schemaRef ds:uri="bbb7e4d1-b917-4205-b45c-1b97615d3569"/>
+    <ds:schemaRef ds:uri="http://schemas.microsoft.com/office/2006/metadata/properties"/>
+  </ds:schemaRefs>
+</ds:datastoreItem>
 </file>